--- a/Predicting Rossmann Store Sales.pptx
+++ b/Predicting Rossmann Store Sales.pptx
@@ -14,6 +14,7 @@
     <p:sldId id="262" r:id="rId8"/>
     <p:sldId id="263" r:id="rId9"/>
     <p:sldId id="264" r:id="rId10"/>
+    <p:sldId id="265" r:id="rId11"/>
   </p:sldIdLst>
   <p:sldSz cx="12192000" cy="6858000"/>
   <p:notesSz cx="6858000" cy="9144000"/>
@@ -112,6 +113,11 @@
       </a:defRPr>
     </a:lvl9pPr>
   </p:defaultTextStyle>
+  <p:extLst>
+    <p:ext uri="{EFAFB233-063F-42B5-8137-9DF3F51BA10A}">
+      <p15:sldGuideLst xmlns:p15="http://schemas.microsoft.com/office/powerpoint/2012/main"/>
+    </p:ext>
+  </p:extLst>
 </p:presentation>
 </file>
 
@@ -6073,6 +6079,127 @@
 </p:sld>
 </file>
 
+<file path=ppt/slides/slide10.xml><?xml version="1.0" encoding="utf-8"?>
+<p:sld xmlns:a="http://schemas.openxmlformats.org/drawingml/2006/main" xmlns:r="http://schemas.openxmlformats.org/officeDocument/2006/relationships" xmlns:p="http://schemas.openxmlformats.org/presentationml/2006/main">
+  <p:cSld>
+    <p:spTree>
+      <p:nvGrpSpPr>
+        <p:cNvPr id="1" name=""/>
+        <p:cNvGrpSpPr/>
+        <p:nvPr/>
+      </p:nvGrpSpPr>
+      <p:grpSpPr>
+        <a:xfrm>
+          <a:off x="0" y="0"/>
+          <a:ext cx="0" cy="0"/>
+          <a:chOff x="0" y="0"/>
+          <a:chExt cx="0" cy="0"/>
+        </a:xfrm>
+      </p:grpSpPr>
+      <p:sp>
+        <p:nvSpPr>
+          <p:cNvPr id="2" name="Title 1"/>
+          <p:cNvSpPr>
+            <a:spLocks noGrp="1"/>
+          </p:cNvSpPr>
+          <p:nvPr>
+            <p:ph type="title"/>
+          </p:nvPr>
+        </p:nvSpPr>
+        <p:spPr/>
+        <p:txBody>
+          <a:bodyPr/>
+          <a:lstStyle/>
+          <a:p>
+            <a:r>
+              <a:rPr lang="en-US" dirty="0" smtClean="0"/>
+              <a:t>Plan</a:t>
+            </a:r>
+            <a:endParaRPr lang="en-US" dirty="0"/>
+          </a:p>
+        </p:txBody>
+      </p:sp>
+      <p:sp>
+        <p:nvSpPr>
+          <p:cNvPr id="6" name="TextBox 5"/>
+          <p:cNvSpPr txBox="1"/>
+          <p:nvPr/>
+        </p:nvSpPr>
+        <p:spPr>
+          <a:xfrm>
+            <a:off x="646111" y="2116347"/>
+            <a:ext cx="2957861" cy="1754326"/>
+          </a:xfrm>
+          <a:prstGeom prst="rect">
+            <a:avLst/>
+          </a:prstGeom>
+          <a:noFill/>
+        </p:spPr>
+        <p:txBody>
+          <a:bodyPr wrap="none" rtlCol="0">
+            <a:spAutoFit/>
+          </a:bodyPr>
+          <a:lstStyle/>
+          <a:p>
+            <a:pPr marL="342900" indent="-342900">
+              <a:buAutoNum type="arabicPeriod"/>
+            </a:pPr>
+            <a:r>
+              <a:rPr lang="en-US" altLang="zh-CN" dirty="0" err="1" smtClean="0"/>
+              <a:t>Regularizer</a:t>
+            </a:r>
+            <a:r>
+              <a:rPr lang="en-US" altLang="zh-CN" dirty="0" smtClean="0"/>
+              <a:t>?</a:t>
+            </a:r>
+          </a:p>
+          <a:p>
+            <a:pPr marL="342900" indent="-342900">
+              <a:buAutoNum type="arabicPeriod"/>
+            </a:pPr>
+            <a:endParaRPr lang="en-US" altLang="zh-CN" dirty="0"/>
+          </a:p>
+          <a:p>
+            <a:pPr marL="342900" indent="-342900">
+              <a:buAutoNum type="arabicPeriod"/>
+            </a:pPr>
+            <a:r>
+              <a:rPr lang="en-US" altLang="zh-CN" dirty="0" smtClean="0"/>
+              <a:t>Test more parameters</a:t>
+            </a:r>
+            <a:endParaRPr lang="en-US" altLang="zh-CN" dirty="0"/>
+          </a:p>
+          <a:p>
+            <a:endParaRPr lang="en-US" altLang="zh-CN" dirty="0"/>
+          </a:p>
+          <a:p>
+            <a:endParaRPr lang="en-US" altLang="zh-CN" dirty="0"/>
+          </a:p>
+          <a:p>
+            <a:endParaRPr lang="en-US" altLang="zh-CN" dirty="0"/>
+          </a:p>
+        </p:txBody>
+      </p:sp>
+    </p:spTree>
+    <p:extLst>
+      <p:ext uri="{BB962C8B-B14F-4D97-AF65-F5344CB8AC3E}">
+        <p14:creationId xmlns:p14="http://schemas.microsoft.com/office/powerpoint/2010/main" val="2455673809"/>
+      </p:ext>
+    </p:extLst>
+  </p:cSld>
+  <p:clrMapOvr>
+    <a:masterClrMapping/>
+  </p:clrMapOvr>
+  <p:timing>
+    <p:tnLst>
+      <p:par>
+        <p:cTn id="1" dur="indefinite" restart="never" nodeType="tmRoot"/>
+      </p:par>
+    </p:tnLst>
+  </p:timing>
+</p:sld>
+</file>
+
 <file path=ppt/slides/slide2.xml><?xml version="1.0" encoding="utf-8"?>
 <p:sld xmlns:a="http://schemas.openxmlformats.org/drawingml/2006/main" xmlns:r="http://schemas.openxmlformats.org/officeDocument/2006/relationships" xmlns:p="http://schemas.openxmlformats.org/presentationml/2006/main">
   <p:cSld>
@@ -6145,9 +6272,8 @@
             </a:r>
             <a:r>
               <a:rPr lang="en-US" dirty="0"/>
-              <a:t> stores and predicting their 6 weeks of sales to support the stores daily operation. The prediction would help the specific stores to schedule their staff more efficiently. I</a:t>
-            </a:r>
-            <a:endParaRPr lang="en-US" dirty="0"/>
+              <a:t> stores and predicting their 6 weeks of sales to support the stores daily operation. The prediction would help the specific stores to schedule their staff more efficiently. </a:t>
+            </a:r>
           </a:p>
         </p:txBody>
       </p:sp>
@@ -6248,7 +6374,6 @@
               <a:rPr lang="en-US" dirty="0"/>
               <a:t>40,000 records of test dataset</a:t>
             </a:r>
-            <a:endParaRPr lang="en-US" dirty="0"/>
           </a:p>
         </p:txBody>
       </p:sp>
@@ -6487,11 +6612,7 @@
           <a:p>
             <a:r>
               <a:rPr lang="en-US" dirty="0"/>
-              <a:t>Figure 2. </a:t>
-            </a:r>
-            <a:r>
-              <a:rPr lang="en-US" dirty="0"/>
-              <a:t>Mean sales of store No.1000 by </a:t>
+              <a:t>Figure 2. Mean sales of store No.1000 by </a:t>
             </a:r>
             <a:r>
               <a:rPr lang="en-US" dirty="0" err="1"/>
@@ -6501,7 +6622,6 @@
               <a:rPr lang="en-US" dirty="0"/>
               <a:t>, Promo</a:t>
             </a:r>
-            <a:endParaRPr lang="en-US" dirty="0"/>
           </a:p>
         </p:txBody>
       </p:sp>
@@ -6635,13 +6755,8 @@
           <a:p>
             <a:r>
               <a:rPr lang="en-US" dirty="0"/>
-              <a:t>Figure 3. </a:t>
-            </a:r>
-            <a:r>
-              <a:rPr lang="en-US" dirty="0"/>
-              <a:t>Sales trend of store No.191, competition since 2013.8</a:t>
-            </a:r>
-            <a:endParaRPr lang="en-US" dirty="0"/>
+              <a:t>Figure 3. Sales trend of store No.191, competition since 2013.8</a:t>
+            </a:r>
           </a:p>
         </p:txBody>
       </p:sp>
@@ -6892,7 +7007,7 @@
         <p:spPr>
           <a:xfrm>
             <a:off x="646111" y="2116347"/>
-            <a:ext cx="11312712" cy="3970318"/>
+            <a:ext cx="10899138" cy="3416320"/>
           </a:xfrm>
           <a:prstGeom prst="rect">
             <a:avLst/>
@@ -6949,31 +7064,6 @@
           </a:p>
           <a:p>
             <a:endParaRPr lang="en-US" altLang="zh-CN" dirty="0"/>
-          </a:p>
-          <a:p>
-            <a:endParaRPr lang="en-US" altLang="zh-CN" dirty="0"/>
-          </a:p>
-          <a:p>
-            <a:r>
-              <a:rPr lang="en-US" altLang="zh-CN" dirty="0"/>
-              <a:t>2. Model #2: Global model w/ additional features [Promo2, Assortment, </a:t>
-            </a:r>
-            <a:r>
-              <a:rPr lang="en-US" altLang="zh-CN" dirty="0" err="1"/>
-              <a:t>StoreType</a:t>
-            </a:r>
-            <a:r>
-              <a:rPr lang="en-US" altLang="zh-CN" dirty="0"/>
-              <a:t>, </a:t>
-            </a:r>
-            <a:r>
-              <a:rPr lang="en-US" altLang="zh-CN" dirty="0" err="1"/>
-              <a:t>CompetitionDist</a:t>
-            </a:r>
-            <a:r>
-              <a:rPr lang="en-US" altLang="zh-CN" dirty="0"/>
-              <a:t>]</a:t>
-            </a:r>
           </a:p>
           <a:p>
             <a:endParaRPr lang="en-US" altLang="zh-CN" dirty="0"/>
@@ -7023,21 +7113,21 @@
                 <a:gridCol w="2709333">
                   <a:extLst>
                     <a:ext uri="{9D8B030D-6E8A-4147-A177-3AD203B41FA5}">
-                      <a16:colId xmlns:a16="http://schemas.microsoft.com/office/drawing/2014/main" val="1641344726"/>
+                      <a16:colId xmlns:a16="http://schemas.microsoft.com/office/drawing/2014/main" xmlns="" val="1641344726"/>
                     </a:ext>
                   </a:extLst>
                 </a:gridCol>
                 <a:gridCol w="2709333">
                   <a:extLst>
                     <a:ext uri="{9D8B030D-6E8A-4147-A177-3AD203B41FA5}">
-                      <a16:colId xmlns:a16="http://schemas.microsoft.com/office/drawing/2014/main" val="4163426657"/>
+                      <a16:colId xmlns:a16="http://schemas.microsoft.com/office/drawing/2014/main" xmlns="" val="4163426657"/>
                     </a:ext>
                   </a:extLst>
                 </a:gridCol>
                 <a:gridCol w="2709333">
                   <a:extLst>
                     <a:ext uri="{9D8B030D-6E8A-4147-A177-3AD203B41FA5}">
-                      <a16:colId xmlns:a16="http://schemas.microsoft.com/office/drawing/2014/main" val="983818499"/>
+                      <a16:colId xmlns:a16="http://schemas.microsoft.com/office/drawing/2014/main" xmlns="" val="983818499"/>
                     </a:ext>
                   </a:extLst>
                 </a:gridCol>
@@ -7084,7 +7174,7 @@
                 </a:tc>
                 <a:extLst>
                   <a:ext uri="{0D108BD9-81ED-4DB2-BD59-A6C34878D82A}">
-                    <a16:rowId xmlns:a16="http://schemas.microsoft.com/office/drawing/2014/main" val="2695190203"/>
+                    <a16:rowId xmlns:a16="http://schemas.microsoft.com/office/drawing/2014/main" xmlns="" val="2695190203"/>
                   </a:ext>
                 </a:extLst>
               </a:tr>
@@ -7130,7 +7220,7 @@
                 </a:tc>
                 <a:extLst>
                   <a:ext uri="{0D108BD9-81ED-4DB2-BD59-A6C34878D82A}">
-                    <a16:rowId xmlns:a16="http://schemas.microsoft.com/office/drawing/2014/main" val="1155082855"/>
+                    <a16:rowId xmlns:a16="http://schemas.microsoft.com/office/drawing/2014/main" xmlns="" val="1155082855"/>
                   </a:ext>
                 </a:extLst>
               </a:tr>
@@ -7176,7 +7266,7 @@
                 </a:tc>
                 <a:extLst>
                   <a:ext uri="{0D108BD9-81ED-4DB2-BD59-A6C34878D82A}">
-                    <a16:rowId xmlns:a16="http://schemas.microsoft.com/office/drawing/2014/main" val="1459125803"/>
+                    <a16:rowId xmlns:a16="http://schemas.microsoft.com/office/drawing/2014/main" xmlns="" val="1459125803"/>
                   </a:ext>
                 </a:extLst>
               </a:tr>
@@ -7184,23 +7274,160 @@
           </a:graphicData>
         </a:graphic>
       </p:graphicFrame>
+    </p:spTree>
+    <p:extLst>
+      <p:ext uri="{BB962C8B-B14F-4D97-AF65-F5344CB8AC3E}">
+        <p14:creationId xmlns:p14="http://schemas.microsoft.com/office/powerpoint/2010/main" val="3521730624"/>
+      </p:ext>
+    </p:extLst>
+  </p:cSld>
+  <p:clrMapOvr>
+    <a:masterClrMapping/>
+  </p:clrMapOvr>
+  <p:timing>
+    <p:tnLst>
+      <p:par>
+        <p:cTn id="1" dur="indefinite" restart="never" nodeType="tmRoot"/>
+      </p:par>
+    </p:tnLst>
+  </p:timing>
+</p:sld>
+</file>
+
+<file path=ppt/slides/slide9.xml><?xml version="1.0" encoding="utf-8"?>
+<p:sld xmlns:a="http://schemas.openxmlformats.org/drawingml/2006/main" xmlns:r="http://schemas.openxmlformats.org/officeDocument/2006/relationships" xmlns:p="http://schemas.openxmlformats.org/presentationml/2006/main">
+  <p:cSld>
+    <p:spTree>
+      <p:nvGrpSpPr>
+        <p:cNvPr id="1" name=""/>
+        <p:cNvGrpSpPr/>
+        <p:nvPr/>
+      </p:nvGrpSpPr>
+      <p:grpSpPr>
+        <a:xfrm>
+          <a:off x="0" y="0"/>
+          <a:ext cx="0" cy="0"/>
+          <a:chOff x="0" y="0"/>
+          <a:chExt cx="0" cy="0"/>
+        </a:xfrm>
+      </p:grpSpPr>
+      <p:sp>
+        <p:nvSpPr>
+          <p:cNvPr id="2" name="Title 1"/>
+          <p:cNvSpPr>
+            <a:spLocks noGrp="1"/>
+          </p:cNvSpPr>
+          <p:nvPr>
+            <p:ph type="title"/>
+          </p:nvPr>
+        </p:nvSpPr>
+        <p:spPr/>
+        <p:txBody>
+          <a:bodyPr/>
+          <a:lstStyle/>
+          <a:p>
+            <a:r>
+              <a:rPr lang="en-US" dirty="0"/>
+              <a:t>Prediction</a:t>
+            </a:r>
+          </a:p>
+        </p:txBody>
+      </p:sp>
+      <p:sp>
+        <p:nvSpPr>
+          <p:cNvPr id="6" name="TextBox 5"/>
+          <p:cNvSpPr txBox="1"/>
+          <p:nvPr/>
+        </p:nvSpPr>
+        <p:spPr>
+          <a:xfrm>
+            <a:off x="646111" y="2116347"/>
+            <a:ext cx="7840608" cy="3139321"/>
+          </a:xfrm>
+          <a:prstGeom prst="rect">
+            <a:avLst/>
+          </a:prstGeom>
+          <a:noFill/>
+        </p:spPr>
+        <p:txBody>
+          <a:bodyPr wrap="none" rtlCol="0">
+            <a:spAutoFit/>
+          </a:bodyPr>
+          <a:lstStyle/>
+          <a:p>
+            <a:r>
+              <a:rPr lang="en-US" altLang="zh-CN" dirty="0"/>
+              <a:t>2</a:t>
+            </a:r>
+            <a:r>
+              <a:rPr lang="en-US" altLang="zh-CN" dirty="0" smtClean="0"/>
+              <a:t>. </a:t>
+            </a:r>
+            <a:r>
+              <a:rPr lang="en-US" altLang="zh-CN" dirty="0"/>
+              <a:t>Model #3: Local model w/ basic features – each store one model </a:t>
+            </a:r>
+          </a:p>
+          <a:p>
+            <a:endParaRPr lang="en-US" altLang="zh-CN" dirty="0"/>
+          </a:p>
+          <a:p>
+            <a:endParaRPr lang="en-US" altLang="zh-CN" dirty="0"/>
+          </a:p>
+          <a:p>
+            <a:endParaRPr lang="en-US" altLang="zh-CN" dirty="0"/>
+          </a:p>
+          <a:p>
+            <a:endParaRPr lang="en-US" altLang="zh-CN" dirty="0"/>
+          </a:p>
+          <a:p>
+            <a:endParaRPr lang="en-US" altLang="zh-CN" dirty="0"/>
+          </a:p>
+          <a:p>
+            <a:endParaRPr lang="en-US" altLang="zh-CN" dirty="0"/>
+          </a:p>
+          <a:p>
+            <a:r>
+              <a:rPr lang="en-US" altLang="zh-CN" dirty="0"/>
+              <a:t>3</a:t>
+            </a:r>
+            <a:r>
+              <a:rPr lang="en-US" altLang="zh-CN" dirty="0" smtClean="0"/>
+              <a:t>. </a:t>
+            </a:r>
+            <a:r>
+              <a:rPr lang="en-US" altLang="zh-CN" dirty="0"/>
+              <a:t>Model #4: Non-linear model – Random Forest</a:t>
+            </a:r>
+          </a:p>
+          <a:p>
+            <a:endParaRPr lang="en-US" altLang="zh-CN" dirty="0"/>
+          </a:p>
+          <a:p>
+            <a:endParaRPr lang="en-US" altLang="zh-CN" dirty="0"/>
+          </a:p>
+          <a:p>
+            <a:endParaRPr lang="en-US" altLang="zh-CN" dirty="0"/>
+          </a:p>
+        </p:txBody>
+      </p:sp>
       <p:graphicFrame>
         <p:nvGraphicFramePr>
-          <p:cNvPr id="5" name="Table 4"/>
+          <p:cNvPr id="3" name="Table 2"/>
           <p:cNvGraphicFramePr>
             <a:graphicFrameLocks noGrp="1"/>
           </p:cNvGraphicFramePr>
           <p:nvPr>
             <p:extLst>
               <p:ext uri="{D42A27DB-BD31-4B8C-83A1-F6EECF244321}">
-                <p14:modId xmlns:p14="http://schemas.microsoft.com/office/powerpoint/2010/main" val="656852353"/>
+                <p14:modId xmlns:p14="http://schemas.microsoft.com/office/powerpoint/2010/main" val="983473735"/>
               </p:ext>
             </p:extLst>
           </p:nvPr>
         </p:nvGraphicFramePr>
         <p:xfrm>
-          <a:off x="1215367" y="4463532"/>
-          <a:ext cx="8127999" cy="1112520"/>
+          <a:off x="1215367" y="2600226"/>
+          <a:ext cx="8127999" cy="741680"/>
         </p:xfrm>
         <a:graphic>
           <a:graphicData uri="http://schemas.openxmlformats.org/drawingml/2006/table">
@@ -7212,21 +7439,21 @@
                 <a:gridCol w="2709333">
                   <a:extLst>
                     <a:ext uri="{9D8B030D-6E8A-4147-A177-3AD203B41FA5}">
-                      <a16:colId xmlns:a16="http://schemas.microsoft.com/office/drawing/2014/main" val="1641344726"/>
+                      <a16:colId xmlns:a16="http://schemas.microsoft.com/office/drawing/2014/main" xmlns="" val="1641344726"/>
                     </a:ext>
                   </a:extLst>
                 </a:gridCol>
                 <a:gridCol w="2709333">
                   <a:extLst>
                     <a:ext uri="{9D8B030D-6E8A-4147-A177-3AD203B41FA5}">
-                      <a16:colId xmlns:a16="http://schemas.microsoft.com/office/drawing/2014/main" val="4163426657"/>
+                      <a16:colId xmlns:a16="http://schemas.microsoft.com/office/drawing/2014/main" xmlns="" val="4163426657"/>
                     </a:ext>
                   </a:extLst>
                 </a:gridCol>
                 <a:gridCol w="2709333">
                   <a:extLst>
                     <a:ext uri="{9D8B030D-6E8A-4147-A177-3AD203B41FA5}">
-                      <a16:colId xmlns:a16="http://schemas.microsoft.com/office/drawing/2014/main" val="983818499"/>
+                      <a16:colId xmlns:a16="http://schemas.microsoft.com/office/drawing/2014/main" xmlns="" val="983818499"/>
                     </a:ext>
                   </a:extLst>
                 </a:gridCol>
@@ -7273,7 +7500,7 @@
                 </a:tc>
                 <a:extLst>
                   <a:ext uri="{0D108BD9-81ED-4DB2-BD59-A6C34878D82A}">
-                    <a16:rowId xmlns:a16="http://schemas.microsoft.com/office/drawing/2014/main" val="2695190203"/>
+                    <a16:rowId xmlns:a16="http://schemas.microsoft.com/office/drawing/2014/main" xmlns="" val="2695190203"/>
                   </a:ext>
                 </a:extLst>
               </a:tr>
@@ -7298,7 +7525,7 @@
                     <a:p>
                       <a:r>
                         <a:rPr lang="en-US" dirty="0"/>
-                        <a:t>0.55255</a:t>
+                        <a:t>0.05496</a:t>
                       </a:r>
                     </a:p>
                   </a:txBody>
@@ -7310,62 +7537,21 @@
                     <a:lstStyle/>
                     <a:p>
                       <a:r>
-                        <a:rPr lang="en-US" dirty="0"/>
-                        <a:t>0.45762</a:t>
+                        <a:rPr lang="en-US" dirty="0" smtClean="0"/>
+                        <a:t>0.</a:t>
                       </a:r>
+                      <a:r>
+                        <a:rPr lang="en-US" baseline="0" dirty="0" smtClean="0"/>
+                        <a:t>15894</a:t>
+                      </a:r>
+                      <a:endParaRPr lang="en-US" dirty="0"/>
                     </a:p>
                   </a:txBody>
                   <a:tcPr/>
                 </a:tc>
                 <a:extLst>
                   <a:ext uri="{0D108BD9-81ED-4DB2-BD59-A6C34878D82A}">
-                    <a16:rowId xmlns:a16="http://schemas.microsoft.com/office/drawing/2014/main" val="1155082855"/>
-                  </a:ext>
-                </a:extLst>
-              </a:tr>
-              <a:tr h="370840">
-                <a:tc>
-                  <a:txBody>
-                    <a:bodyPr/>
-                    <a:lstStyle/>
-                    <a:p>
-                      <a:r>
-                        <a:rPr lang="en-US" dirty="0"/>
-                        <a:t>Huber Regression</a:t>
-                      </a:r>
-                    </a:p>
-                  </a:txBody>
-                  <a:tcPr/>
-                </a:tc>
-                <a:tc>
-                  <a:txBody>
-                    <a:bodyPr/>
-                    <a:lstStyle/>
-                    <a:p>
-                      <a:r>
-                        <a:rPr lang="en-US" dirty="0"/>
-                        <a:t>0.49168</a:t>
-                      </a:r>
-                    </a:p>
-                  </a:txBody>
-                  <a:tcPr/>
-                </a:tc>
-                <a:tc>
-                  <a:txBody>
-                    <a:bodyPr/>
-                    <a:lstStyle/>
-                    <a:p>
-                      <a:r>
-                        <a:rPr lang="en-US" dirty="0"/>
-                        <a:t>0.39953</a:t>
-                      </a:r>
-                    </a:p>
-                  </a:txBody>
-                  <a:tcPr/>
-                </a:tc>
-                <a:extLst>
-                  <a:ext uri="{0D108BD9-81ED-4DB2-BD59-A6C34878D82A}">
-                    <a16:rowId xmlns:a16="http://schemas.microsoft.com/office/drawing/2014/main" val="1459125803"/>
+                    <a16:rowId xmlns:a16="http://schemas.microsoft.com/office/drawing/2014/main" xmlns="" val="1155082855"/>
                   </a:ext>
                 </a:extLst>
               </a:tr>
@@ -7373,137 +7559,23 @@
           </a:graphicData>
         </a:graphic>
       </p:graphicFrame>
-    </p:spTree>
-    <p:extLst>
-      <p:ext uri="{BB962C8B-B14F-4D97-AF65-F5344CB8AC3E}">
-        <p14:creationId xmlns:p14="http://schemas.microsoft.com/office/powerpoint/2010/main" val="3521730624"/>
-      </p:ext>
-    </p:extLst>
-  </p:cSld>
-  <p:clrMapOvr>
-    <a:masterClrMapping/>
-  </p:clrMapOvr>
-</p:sld>
-</file>
-
-<file path=ppt/slides/slide9.xml><?xml version="1.0" encoding="utf-8"?>
-<p:sld xmlns:a="http://schemas.openxmlformats.org/drawingml/2006/main" xmlns:r="http://schemas.openxmlformats.org/officeDocument/2006/relationships" xmlns:p="http://schemas.openxmlformats.org/presentationml/2006/main">
-  <p:cSld>
-    <p:spTree>
-      <p:nvGrpSpPr>
-        <p:cNvPr id="1" name=""/>
-        <p:cNvGrpSpPr/>
-        <p:nvPr/>
-      </p:nvGrpSpPr>
-      <p:grpSpPr>
-        <a:xfrm>
-          <a:off x="0" y="0"/>
-          <a:ext cx="0" cy="0"/>
-          <a:chOff x="0" y="0"/>
-          <a:chExt cx="0" cy="0"/>
-        </a:xfrm>
-      </p:grpSpPr>
-      <p:sp>
-        <p:nvSpPr>
-          <p:cNvPr id="2" name="Title 1"/>
-          <p:cNvSpPr>
-            <a:spLocks noGrp="1"/>
-          </p:cNvSpPr>
-          <p:nvPr>
-            <p:ph type="title"/>
-          </p:nvPr>
-        </p:nvSpPr>
-        <p:spPr/>
-        <p:txBody>
-          <a:bodyPr/>
-          <a:lstStyle/>
-          <a:p>
-            <a:r>
-              <a:rPr lang="en-US" dirty="0"/>
-              <a:t>Prediction</a:t>
-            </a:r>
-          </a:p>
-        </p:txBody>
-      </p:sp>
-      <p:sp>
-        <p:nvSpPr>
-          <p:cNvPr id="6" name="TextBox 5"/>
-          <p:cNvSpPr txBox="1"/>
-          <p:nvPr/>
-        </p:nvSpPr>
-        <p:spPr>
-          <a:xfrm>
-            <a:off x="646111" y="2116347"/>
-            <a:ext cx="7840608" cy="3139321"/>
-          </a:xfrm>
-          <a:prstGeom prst="rect">
-            <a:avLst/>
-          </a:prstGeom>
-          <a:noFill/>
-        </p:spPr>
-        <p:txBody>
-          <a:bodyPr wrap="none" rtlCol="0">
-            <a:spAutoFit/>
-          </a:bodyPr>
-          <a:lstStyle/>
-          <a:p>
-            <a:r>
-              <a:rPr lang="en-US" altLang="zh-CN" dirty="0"/>
-              <a:t>3. Model #3: Local model w/ basic features – each store one model </a:t>
-            </a:r>
-          </a:p>
-          <a:p>
-            <a:endParaRPr lang="en-US" altLang="zh-CN" dirty="0"/>
-          </a:p>
-          <a:p>
-            <a:endParaRPr lang="en-US" altLang="zh-CN" dirty="0"/>
-          </a:p>
-          <a:p>
-            <a:endParaRPr lang="en-US" altLang="zh-CN" dirty="0"/>
-          </a:p>
-          <a:p>
-            <a:endParaRPr lang="en-US" altLang="zh-CN" dirty="0"/>
-          </a:p>
-          <a:p>
-            <a:endParaRPr lang="en-US" altLang="zh-CN" dirty="0"/>
-          </a:p>
-          <a:p>
-            <a:endParaRPr lang="en-US" altLang="zh-CN" dirty="0"/>
-          </a:p>
-          <a:p>
-            <a:r>
-              <a:rPr lang="en-US" altLang="zh-CN" dirty="0"/>
-              <a:t>4. Model #4: Non-linear model – Random Forest</a:t>
-            </a:r>
-          </a:p>
-          <a:p>
-            <a:endParaRPr lang="en-US" altLang="zh-CN" dirty="0"/>
-          </a:p>
-          <a:p>
-            <a:endParaRPr lang="en-US" altLang="zh-CN" dirty="0"/>
-          </a:p>
-          <a:p>
-            <a:endParaRPr lang="en-US" altLang="zh-CN" dirty="0"/>
-          </a:p>
-        </p:txBody>
-      </p:sp>
       <p:graphicFrame>
         <p:nvGraphicFramePr>
-          <p:cNvPr id="3" name="Table 2"/>
+          <p:cNvPr id="5" name="Table 4"/>
           <p:cNvGraphicFramePr>
             <a:graphicFrameLocks noGrp="1"/>
           </p:cNvGraphicFramePr>
           <p:nvPr>
             <p:extLst>
               <p:ext uri="{D42A27DB-BD31-4B8C-83A1-F6EECF244321}">
-                <p14:modId xmlns:p14="http://schemas.microsoft.com/office/powerpoint/2010/main" val="3342173549"/>
+                <p14:modId xmlns:p14="http://schemas.microsoft.com/office/powerpoint/2010/main" val="974930143"/>
               </p:ext>
             </p:extLst>
           </p:nvPr>
         </p:nvGraphicFramePr>
         <p:xfrm>
-          <a:off x="1215367" y="2600226"/>
-          <a:ext cx="8127999" cy="1112520"/>
+          <a:off x="1215367" y="4463532"/>
+          <a:ext cx="8127999" cy="741680"/>
         </p:xfrm>
         <a:graphic>
           <a:graphicData uri="http://schemas.openxmlformats.org/drawingml/2006/table">
@@ -7515,21 +7587,21 @@
                 <a:gridCol w="2709333">
                   <a:extLst>
                     <a:ext uri="{9D8B030D-6E8A-4147-A177-3AD203B41FA5}">
-                      <a16:colId xmlns:a16="http://schemas.microsoft.com/office/drawing/2014/main" val="1641344726"/>
+                      <a16:colId xmlns:a16="http://schemas.microsoft.com/office/drawing/2014/main" xmlns="" val="1641344726"/>
                     </a:ext>
                   </a:extLst>
                 </a:gridCol>
                 <a:gridCol w="2709333">
                   <a:extLst>
                     <a:ext uri="{9D8B030D-6E8A-4147-A177-3AD203B41FA5}">
-                      <a16:colId xmlns:a16="http://schemas.microsoft.com/office/drawing/2014/main" val="4163426657"/>
+                      <a16:colId xmlns:a16="http://schemas.microsoft.com/office/drawing/2014/main" xmlns="" val="4163426657"/>
                     </a:ext>
                   </a:extLst>
                 </a:gridCol>
                 <a:gridCol w="2709333">
                   <a:extLst>
                     <a:ext uri="{9D8B030D-6E8A-4147-A177-3AD203B41FA5}">
-                      <a16:colId xmlns:a16="http://schemas.microsoft.com/office/drawing/2014/main" val="983818499"/>
+                      <a16:colId xmlns:a16="http://schemas.microsoft.com/office/drawing/2014/main" xmlns="" val="983818499"/>
                     </a:ext>
                   </a:extLst>
                 </a:gridCol>
@@ -7576,201 +7648,7 @@
                 </a:tc>
                 <a:extLst>
                   <a:ext uri="{0D108BD9-81ED-4DB2-BD59-A6C34878D82A}">
-                    <a16:rowId xmlns:a16="http://schemas.microsoft.com/office/drawing/2014/main" val="2695190203"/>
-                  </a:ext>
-                </a:extLst>
-              </a:tr>
-              <a:tr h="370840">
-                <a:tc>
-                  <a:txBody>
-                    <a:bodyPr/>
-                    <a:lstStyle/>
-                    <a:p>
-                      <a:r>
-                        <a:rPr lang="en-US" dirty="0"/>
-                        <a:t>Linear Regression</a:t>
-                      </a:r>
-                    </a:p>
-                  </a:txBody>
-                  <a:tcPr/>
-                </a:tc>
-                <a:tc>
-                  <a:txBody>
-                    <a:bodyPr/>
-                    <a:lstStyle/>
-                    <a:p>
-                      <a:r>
-                        <a:rPr lang="en-US" dirty="0"/>
-                        <a:t>0.05496</a:t>
-                      </a:r>
-                    </a:p>
-                  </a:txBody>
-                  <a:tcPr/>
-                </a:tc>
-                <a:tc>
-                  <a:txBody>
-                    <a:bodyPr/>
-                    <a:lstStyle/>
-                    <a:p>
-                      <a:r>
-                        <a:rPr lang="en-US" dirty="0"/>
-                        <a:t>0.</a:t>
-                      </a:r>
-                      <a:r>
-                        <a:rPr lang="en-US" baseline="0" dirty="0"/>
-                        <a:t> 15894</a:t>
-                      </a:r>
-                      <a:endParaRPr lang="en-US" dirty="0"/>
-                    </a:p>
-                  </a:txBody>
-                  <a:tcPr/>
-                </a:tc>
-                <a:extLst>
-                  <a:ext uri="{0D108BD9-81ED-4DB2-BD59-A6C34878D82A}">
-                    <a16:rowId xmlns:a16="http://schemas.microsoft.com/office/drawing/2014/main" val="1155082855"/>
-                  </a:ext>
-                </a:extLst>
-              </a:tr>
-              <a:tr h="370840">
-                <a:tc>
-                  <a:txBody>
-                    <a:bodyPr/>
-                    <a:lstStyle/>
-                    <a:p>
-                      <a:r>
-                        <a:rPr lang="en-US" dirty="0"/>
-                        <a:t>Huber Regression</a:t>
-                      </a:r>
-                    </a:p>
-                  </a:txBody>
-                  <a:tcPr/>
-                </a:tc>
-                <a:tc>
-                  <a:txBody>
-                    <a:bodyPr/>
-                    <a:lstStyle/>
-                    <a:p>
-                      <a:r>
-                        <a:rPr lang="en-US" dirty="0"/>
-                        <a:t>0.49168</a:t>
-                      </a:r>
-                    </a:p>
-                  </a:txBody>
-                  <a:tcPr/>
-                </a:tc>
-                <a:tc>
-                  <a:txBody>
-                    <a:bodyPr/>
-                    <a:lstStyle/>
-                    <a:p>
-                      <a:r>
-                        <a:rPr lang="en-US" dirty="0"/>
-                        <a:t>0.39953</a:t>
-                      </a:r>
-                    </a:p>
-                  </a:txBody>
-                  <a:tcPr/>
-                </a:tc>
-                <a:extLst>
-                  <a:ext uri="{0D108BD9-81ED-4DB2-BD59-A6C34878D82A}">
-                    <a16:rowId xmlns:a16="http://schemas.microsoft.com/office/drawing/2014/main" val="1459125803"/>
-                  </a:ext>
-                </a:extLst>
-              </a:tr>
-            </a:tbl>
-          </a:graphicData>
-        </a:graphic>
-      </p:graphicFrame>
-      <p:graphicFrame>
-        <p:nvGraphicFramePr>
-          <p:cNvPr id="5" name="Table 4"/>
-          <p:cNvGraphicFramePr>
-            <a:graphicFrameLocks noGrp="1"/>
-          </p:cNvGraphicFramePr>
-          <p:nvPr>
-            <p:extLst>
-              <p:ext uri="{D42A27DB-BD31-4B8C-83A1-F6EECF244321}">
-                <p14:modId xmlns:p14="http://schemas.microsoft.com/office/powerpoint/2010/main" val="974930143"/>
-              </p:ext>
-            </p:extLst>
-          </p:nvPr>
-        </p:nvGraphicFramePr>
-        <p:xfrm>
-          <a:off x="1215367" y="4463532"/>
-          <a:ext cx="8127999" cy="741680"/>
-        </p:xfrm>
-        <a:graphic>
-          <a:graphicData uri="http://schemas.openxmlformats.org/drawingml/2006/table">
-            <a:tbl>
-              <a:tblPr firstRow="1" bandRow="1">
-                <a:tableStyleId>{5C22544A-7EE6-4342-B048-85BDC9FD1C3A}</a:tableStyleId>
-              </a:tblPr>
-              <a:tblGrid>
-                <a:gridCol w="2709333">
-                  <a:extLst>
-                    <a:ext uri="{9D8B030D-6E8A-4147-A177-3AD203B41FA5}">
-                      <a16:colId xmlns:a16="http://schemas.microsoft.com/office/drawing/2014/main" val="1641344726"/>
-                    </a:ext>
-                  </a:extLst>
-                </a:gridCol>
-                <a:gridCol w="2709333">
-                  <a:extLst>
-                    <a:ext uri="{9D8B030D-6E8A-4147-A177-3AD203B41FA5}">
-                      <a16:colId xmlns:a16="http://schemas.microsoft.com/office/drawing/2014/main" val="4163426657"/>
-                    </a:ext>
-                  </a:extLst>
-                </a:gridCol>
-                <a:gridCol w="2709333">
-                  <a:extLst>
-                    <a:ext uri="{9D8B030D-6E8A-4147-A177-3AD203B41FA5}">
-                      <a16:colId xmlns:a16="http://schemas.microsoft.com/office/drawing/2014/main" val="983818499"/>
-                    </a:ext>
-                  </a:extLst>
-                </a:gridCol>
-              </a:tblGrid>
-              <a:tr h="370840">
-                <a:tc>
-                  <a:txBody>
-                    <a:bodyPr/>
-                    <a:lstStyle/>
-                    <a:p>
-                      <a:r>
-                        <a:rPr lang="en-US" dirty="0"/>
-                        <a:t>Model</a:t>
-                      </a:r>
-                    </a:p>
-                  </a:txBody>
-                  <a:tcPr/>
-                </a:tc>
-                <a:tc>
-                  <a:txBody>
-                    <a:bodyPr/>
-                    <a:lstStyle/>
-                    <a:p>
-                      <a:r>
-                        <a:rPr lang="en-US" dirty="0"/>
-                        <a:t>Train Error</a:t>
-                      </a:r>
-                    </a:p>
-                  </a:txBody>
-                  <a:tcPr/>
-                </a:tc>
-                <a:tc>
-                  <a:txBody>
-                    <a:bodyPr/>
-                    <a:lstStyle/>
-                    <a:p>
-                      <a:r>
-                        <a:rPr lang="en-US" dirty="0"/>
-                        <a:t>Test Error</a:t>
-                      </a:r>
-                    </a:p>
-                  </a:txBody>
-                  <a:tcPr/>
-                </a:tc>
-                <a:extLst>
-                  <a:ext uri="{0D108BD9-81ED-4DB2-BD59-A6C34878D82A}">
-                    <a16:rowId xmlns:a16="http://schemas.microsoft.com/office/drawing/2014/main" val="2695190203"/>
+                    <a16:rowId xmlns:a16="http://schemas.microsoft.com/office/drawing/2014/main" xmlns="" val="2695190203"/>
                   </a:ext>
                 </a:extLst>
               </a:tr>
@@ -7822,7 +7700,7 @@
                 </a:tc>
                 <a:extLst>
                   <a:ext uri="{0D108BD9-81ED-4DB2-BD59-A6C34878D82A}">
-                    <a16:rowId xmlns:a16="http://schemas.microsoft.com/office/drawing/2014/main" val="1155082855"/>
+                    <a16:rowId xmlns:a16="http://schemas.microsoft.com/office/drawing/2014/main" xmlns="" val="1155082855"/>
                   </a:ext>
                 </a:extLst>
               </a:tr>
@@ -7840,6 +7718,13 @@
   <p:clrMapOvr>
     <a:masterClrMapping/>
   </p:clrMapOvr>
+  <p:timing>
+    <p:tnLst>
+      <p:par>
+        <p:cTn id="1" dur="indefinite" restart="never" nodeType="tmRoot"/>
+      </p:par>
+    </p:tnLst>
+  </p:timing>
 </p:sld>
 </file>
 

--- a/Predicting Rossmann Store Sales.pptx
+++ b/Predicting Rossmann Store Sales.pptx
@@ -307,7 +307,7 @@
           <a:p>
             <a:fld id="{4AAD347D-5ACD-4C99-B74B-A9C85AD731AF}" type="datetimeFigureOut">
               <a:rPr lang="en-US" dirty="0"/>
-              <a:t>11/27/2016</a:t>
+              <a:t>11/28/2016</a:t>
             </a:fld>
             <a:endParaRPr lang="en-US" dirty="0"/>
           </a:p>
@@ -577,7 +577,7 @@
           <a:p>
             <a:fld id="{4509A250-FF31-4206-8172-F9D3106AACB1}" type="datetimeFigureOut">
               <a:rPr lang="en-US" dirty="0"/>
-              <a:t>11/27/2016</a:t>
+              <a:t>11/28/2016</a:t>
             </a:fld>
             <a:endParaRPr lang="en-US" dirty="0"/>
           </a:p>
@@ -766,7 +766,7 @@
           <a:p>
             <a:fld id="{4509A250-FF31-4206-8172-F9D3106AACB1}" type="datetimeFigureOut">
               <a:rPr lang="en-US" dirty="0"/>
-              <a:t>11/27/2016</a:t>
+              <a:t>11/28/2016</a:t>
             </a:fld>
             <a:endParaRPr lang="en-US" dirty="0"/>
           </a:p>
@@ -1034,7 +1034,7 @@
           <a:p>
             <a:fld id="{4509A250-FF31-4206-8172-F9D3106AACB1}" type="datetimeFigureOut">
               <a:rPr lang="en-US" dirty="0"/>
-              <a:t>11/27/2016</a:t>
+              <a:t>11/28/2016</a:t>
             </a:fld>
             <a:endParaRPr lang="en-US" dirty="0"/>
           </a:p>
@@ -1370,7 +1370,7 @@
           <a:p>
             <a:fld id="{4509A250-FF31-4206-8172-F9D3106AACB1}" type="datetimeFigureOut">
               <a:rPr lang="en-US" dirty="0"/>
-              <a:t>11/27/2016</a:t>
+              <a:t>11/28/2016</a:t>
             </a:fld>
             <a:endParaRPr lang="en-US" dirty="0"/>
           </a:p>
@@ -1988,7 +1988,7 @@
           <a:p>
             <a:fld id="{4509A250-FF31-4206-8172-F9D3106AACB1}" type="datetimeFigureOut">
               <a:rPr lang="en-US" dirty="0"/>
-              <a:t>11/27/2016</a:t>
+              <a:t>11/28/2016</a:t>
             </a:fld>
             <a:endParaRPr lang="en-US" dirty="0"/>
           </a:p>
@@ -2843,7 +2843,7 @@
           <a:p>
             <a:fld id="{4509A250-FF31-4206-8172-F9D3106AACB1}" type="datetimeFigureOut">
               <a:rPr lang="en-US" dirty="0"/>
-              <a:t>11/27/2016</a:t>
+              <a:t>11/28/2016</a:t>
             </a:fld>
             <a:endParaRPr lang="en-US" dirty="0"/>
           </a:p>
@@ -3008,7 +3008,7 @@
           <a:p>
             <a:fld id="{4509A250-FF31-4206-8172-F9D3106AACB1}" type="datetimeFigureOut">
               <a:rPr lang="en-US" dirty="0"/>
-              <a:t>11/27/2016</a:t>
+              <a:t>11/28/2016</a:t>
             </a:fld>
             <a:endParaRPr lang="en-US" dirty="0"/>
           </a:p>
@@ -3183,7 +3183,7 @@
           <a:p>
             <a:fld id="{4509A250-FF31-4206-8172-F9D3106AACB1}" type="datetimeFigureOut">
               <a:rPr lang="en-US" dirty="0"/>
-              <a:t>11/27/2016</a:t>
+              <a:t>11/28/2016</a:t>
             </a:fld>
             <a:endParaRPr lang="en-US" dirty="0"/>
           </a:p>
@@ -3348,7 +3348,7 @@
           <a:p>
             <a:fld id="{4509A250-FF31-4206-8172-F9D3106AACB1}" type="datetimeFigureOut">
               <a:rPr lang="en-US" dirty="0"/>
-              <a:t>11/27/2016</a:t>
+              <a:t>11/28/2016</a:t>
             </a:fld>
             <a:endParaRPr lang="en-US" dirty="0"/>
           </a:p>
@@ -3590,7 +3590,7 @@
           <a:p>
             <a:fld id="{9796027F-7875-4030-9381-8BD8C4F21935}" type="datetimeFigureOut">
               <a:rPr lang="en-US" dirty="0"/>
-              <a:t>11/27/2016</a:t>
+              <a:t>11/28/2016</a:t>
             </a:fld>
             <a:endParaRPr lang="en-US" dirty="0"/>
           </a:p>
@@ -3877,7 +3877,7 @@
           <a:p>
             <a:fld id="{9796027F-7875-4030-9381-8BD8C4F21935}" type="datetimeFigureOut">
               <a:rPr lang="en-US" dirty="0"/>
-              <a:t>11/27/2016</a:t>
+              <a:t>11/28/2016</a:t>
             </a:fld>
             <a:endParaRPr lang="en-US" dirty="0"/>
           </a:p>
@@ -4316,7 +4316,7 @@
           <a:p>
             <a:fld id="{9796027F-7875-4030-9381-8BD8C4F21935}" type="datetimeFigureOut">
               <a:rPr lang="en-US" dirty="0"/>
-              <a:t>11/27/2016</a:t>
+              <a:t>11/28/2016</a:t>
             </a:fld>
             <a:endParaRPr lang="en-US" dirty="0"/>
           </a:p>
@@ -4429,7 +4429,7 @@
           <a:p>
             <a:fld id="{4509A250-FF31-4206-8172-F9D3106AACB1}" type="datetimeFigureOut">
               <a:rPr lang="en-US" dirty="0"/>
-              <a:t>11/27/2016</a:t>
+              <a:t>11/28/2016</a:t>
             </a:fld>
             <a:endParaRPr lang="en-US" dirty="0"/>
           </a:p>
@@ -4519,7 +4519,7 @@
           <a:p>
             <a:fld id="{4509A250-FF31-4206-8172-F9D3106AACB1}" type="datetimeFigureOut">
               <a:rPr lang="en-US" dirty="0"/>
-              <a:t>11/27/2016</a:t>
+              <a:t>11/28/2016</a:t>
             </a:fld>
             <a:endParaRPr lang="en-US" dirty="0"/>
           </a:p>
@@ -4793,7 +4793,7 @@
           <a:p>
             <a:fld id="{4509A250-FF31-4206-8172-F9D3106AACB1}" type="datetimeFigureOut">
               <a:rPr lang="en-US" dirty="0"/>
-              <a:t>11/27/2016</a:t>
+              <a:t>11/28/2016</a:t>
             </a:fld>
             <a:endParaRPr lang="en-US" dirty="0"/>
           </a:p>
@@ -5063,7 +5063,7 @@
           <a:p>
             <a:fld id="{4509A250-FF31-4206-8172-F9D3106AACB1}" type="datetimeFigureOut">
               <a:rPr lang="en-US" dirty="0"/>
-              <a:t>11/27/2016</a:t>
+              <a:t>11/28/2016</a:t>
             </a:fld>
             <a:endParaRPr lang="en-US" dirty="0"/>
           </a:p>
@@ -5487,7 +5487,7 @@
           <a:p>
             <a:fld id="{4AAD347D-5ACD-4C99-B74B-A9C85AD731AF}" type="datetimeFigureOut">
               <a:rPr lang="en-US" dirty="0"/>
-              <a:t>11/27/2016</a:t>
+              <a:t>11/28/2016</a:t>
             </a:fld>
             <a:endParaRPr lang="en-US" dirty="0"/>
           </a:p>
@@ -6112,10 +6112,9 @@
           <a:lstStyle/>
           <a:p>
             <a:r>
-              <a:rPr lang="en-US" dirty="0" smtClean="0"/>
+              <a:rPr lang="en-US" dirty="0"/>
               <a:t>Plan</a:t>
             </a:r>
-            <a:endParaRPr lang="en-US" dirty="0"/>
           </a:p>
         </p:txBody>
       </p:sp>
@@ -6145,11 +6144,11 @@
               <a:buAutoNum type="arabicPeriod"/>
             </a:pPr>
             <a:r>
-              <a:rPr lang="en-US" altLang="zh-CN" dirty="0" err="1" smtClean="0"/>
+              <a:rPr lang="en-US" altLang="zh-CN" dirty="0" err="1"/>
               <a:t>Regularizer</a:t>
             </a:r>
             <a:r>
-              <a:rPr lang="en-US" altLang="zh-CN" dirty="0" smtClean="0"/>
+              <a:rPr lang="en-US" altLang="zh-CN" dirty="0"/>
               <a:t>?</a:t>
             </a:r>
           </a:p>
@@ -6164,10 +6163,9 @@
               <a:buAutoNum type="arabicPeriod"/>
             </a:pPr>
             <a:r>
-              <a:rPr lang="en-US" altLang="zh-CN" dirty="0" smtClean="0"/>
+              <a:rPr lang="en-US" altLang="zh-CN" dirty="0"/>
               <a:t>Test more parameters</a:t>
             </a:r>
-            <a:endParaRPr lang="en-US" altLang="zh-CN" dirty="0"/>
           </a:p>
           <a:p>
             <a:endParaRPr lang="en-US" altLang="zh-CN" dirty="0"/>
@@ -6190,13 +6188,6 @@
   <p:clrMapOvr>
     <a:masterClrMapping/>
   </p:clrMapOvr>
-  <p:timing>
-    <p:tnLst>
-      <p:par>
-        <p:cTn id="1" dur="indefinite" restart="never" nodeType="tmRoot"/>
-      </p:par>
-    </p:tnLst>
-  </p:timing>
 </p:sld>
 </file>
 
@@ -6241,27 +6232,26 @@
       </p:sp>
       <p:sp>
         <p:nvSpPr>
-          <p:cNvPr id="3" name="Vertical Text Placeholder 2"/>
-          <p:cNvSpPr>
-            <a:spLocks noGrp="1"/>
-          </p:cNvSpPr>
-          <p:nvPr>
-            <p:ph type="body" orient="vert" idx="1"/>
-          </p:nvPr>
+          <p:cNvPr id="5" name="TextBox 4"/>
+          <p:cNvSpPr txBox="1"/>
+          <p:nvPr/>
         </p:nvSpPr>
         <p:spPr>
-          <a:xfrm rot="16200000">
-            <a:off x="4790536" y="-109269"/>
-            <a:ext cx="2329131" cy="10760015"/>
+          <a:xfrm>
+            <a:off x="646110" y="4175185"/>
+            <a:ext cx="8986719" cy="1200329"/>
           </a:xfrm>
+          <a:prstGeom prst="rect">
+            <a:avLst/>
+          </a:prstGeom>
+          <a:noFill/>
         </p:spPr>
         <p:txBody>
-          <a:bodyPr/>
-          <a:lstStyle/>
-          <a:p>
-            <a:pPr marL="0" indent="0">
-              <a:buNone/>
-            </a:pPr>
+          <a:bodyPr wrap="square" rtlCol="0">
+            <a:spAutoFit/>
+          </a:bodyPr>
+          <a:lstStyle/>
+          <a:p>
             <a:r>
               <a:rPr lang="en-US" dirty="0"/>
               <a:t>Our project aims at modeling the sales of these </a:t>
@@ -6274,6 +6264,9 @@
               <a:rPr lang="en-US" dirty="0"/>
               <a:t> stores and predicting their 6 weeks of sales to support the stores daily operation. The prediction would help the specific stores to schedule their staff more efficiently. </a:t>
             </a:r>
+          </a:p>
+          <a:p>
+            <a:endParaRPr lang="en-US" dirty="0"/>
           </a:p>
         </p:txBody>
       </p:sp>
@@ -6331,49 +6324,45 @@
       </p:sp>
       <p:sp>
         <p:nvSpPr>
-          <p:cNvPr id="3" name="Vertical Text Placeholder 2"/>
-          <p:cNvSpPr>
-            <a:spLocks noGrp="1"/>
-          </p:cNvSpPr>
-          <p:nvPr>
-            <p:ph type="body" orient="vert" idx="1"/>
-          </p:nvPr>
+          <p:cNvPr id="5" name="TextBox 4"/>
+          <p:cNvSpPr txBox="1"/>
+          <p:nvPr/>
         </p:nvSpPr>
         <p:spPr>
-          <a:xfrm rot="16200000">
-            <a:off x="4770408" y="-129398"/>
-            <a:ext cx="2369387" cy="10760015"/>
+          <a:xfrm>
+            <a:off x="646111" y="4341963"/>
+            <a:ext cx="5222905" cy="1200329"/>
           </a:xfrm>
+          <a:prstGeom prst="rect">
+            <a:avLst/>
+          </a:prstGeom>
+          <a:noFill/>
         </p:spPr>
         <p:txBody>
-          <a:bodyPr/>
-          <a:lstStyle/>
-          <a:p>
-            <a:pPr marL="0" indent="0">
-              <a:buNone/>
-            </a:pPr>
+          <a:bodyPr wrap="none" rtlCol="0">
+            <a:spAutoFit/>
+          </a:bodyPr>
+          <a:lstStyle/>
+          <a:p>
             <a:r>
               <a:rPr lang="en-US" dirty="0"/>
               <a:t>~1 million sales records</a:t>
             </a:r>
           </a:p>
           <a:p>
-            <a:pPr marL="0" indent="0">
-              <a:buNone/>
-            </a:pPr>
             <a:r>
               <a:rPr lang="en-US" dirty="0"/>
               <a:t>840,000 records of train dataset (open stores)</a:t>
             </a:r>
           </a:p>
           <a:p>
-            <a:pPr marL="0" indent="0">
-              <a:buNone/>
-            </a:pPr>
             <a:r>
               <a:rPr lang="en-US" dirty="0"/>
               <a:t>40,000 records of test dataset</a:t>
             </a:r>
+          </a:p>
+          <a:p>
+            <a:endParaRPr lang="en-US" dirty="0"/>
           </a:p>
         </p:txBody>
       </p:sp>
@@ -7113,21 +7102,21 @@
                 <a:gridCol w="2709333">
                   <a:extLst>
                     <a:ext uri="{9D8B030D-6E8A-4147-A177-3AD203B41FA5}">
-                      <a16:colId xmlns:a16="http://schemas.microsoft.com/office/drawing/2014/main" xmlns="" val="1641344726"/>
+                      <a16:colId xmlns:a16="http://schemas.microsoft.com/office/drawing/2014/main" val="1641344726"/>
                     </a:ext>
                   </a:extLst>
                 </a:gridCol>
                 <a:gridCol w="2709333">
                   <a:extLst>
                     <a:ext uri="{9D8B030D-6E8A-4147-A177-3AD203B41FA5}">
-                      <a16:colId xmlns:a16="http://schemas.microsoft.com/office/drawing/2014/main" xmlns="" val="4163426657"/>
+                      <a16:colId xmlns:a16="http://schemas.microsoft.com/office/drawing/2014/main" val="4163426657"/>
                     </a:ext>
                   </a:extLst>
                 </a:gridCol>
                 <a:gridCol w="2709333">
                   <a:extLst>
                     <a:ext uri="{9D8B030D-6E8A-4147-A177-3AD203B41FA5}">
-                      <a16:colId xmlns:a16="http://schemas.microsoft.com/office/drawing/2014/main" xmlns="" val="983818499"/>
+                      <a16:colId xmlns:a16="http://schemas.microsoft.com/office/drawing/2014/main" val="983818499"/>
                     </a:ext>
                   </a:extLst>
                 </a:gridCol>
@@ -7174,7 +7163,7 @@
                 </a:tc>
                 <a:extLst>
                   <a:ext uri="{0D108BD9-81ED-4DB2-BD59-A6C34878D82A}">
-                    <a16:rowId xmlns:a16="http://schemas.microsoft.com/office/drawing/2014/main" xmlns="" val="2695190203"/>
+                    <a16:rowId xmlns:a16="http://schemas.microsoft.com/office/drawing/2014/main" val="2695190203"/>
                   </a:ext>
                 </a:extLst>
               </a:tr>
@@ -7220,7 +7209,7 @@
                 </a:tc>
                 <a:extLst>
                   <a:ext uri="{0D108BD9-81ED-4DB2-BD59-A6C34878D82A}">
-                    <a16:rowId xmlns:a16="http://schemas.microsoft.com/office/drawing/2014/main" xmlns="" val="1155082855"/>
+                    <a16:rowId xmlns:a16="http://schemas.microsoft.com/office/drawing/2014/main" val="1155082855"/>
                   </a:ext>
                 </a:extLst>
               </a:tr>
@@ -7266,7 +7255,7 @@
                 </a:tc>
                 <a:extLst>
                   <a:ext uri="{0D108BD9-81ED-4DB2-BD59-A6C34878D82A}">
-                    <a16:rowId xmlns:a16="http://schemas.microsoft.com/office/drawing/2014/main" xmlns="" val="1459125803"/>
+                    <a16:rowId xmlns:a16="http://schemas.microsoft.com/office/drawing/2014/main" val="1459125803"/>
                   </a:ext>
                 </a:extLst>
               </a:tr>
@@ -7284,13 +7273,6 @@
   <p:clrMapOvr>
     <a:masterClrMapping/>
   </p:clrMapOvr>
-  <p:timing>
-    <p:tnLst>
-      <p:par>
-        <p:cTn id="1" dur="indefinite" restart="never" nodeType="tmRoot"/>
-      </p:par>
-    </p:tnLst>
-  </p:timing>
 </p:sld>
 </file>
 
@@ -7357,47 +7339,31 @@
           <a:p>
             <a:r>
               <a:rPr lang="en-US" altLang="zh-CN" dirty="0"/>
-              <a:t>2</a:t>
-            </a:r>
-            <a:r>
-              <a:rPr lang="en-US" altLang="zh-CN" dirty="0" smtClean="0"/>
-              <a:t>. </a:t>
-            </a:r>
+              <a:t>2. Model #3: Local model w/ basic features – each store one model </a:t>
+            </a:r>
+          </a:p>
+          <a:p>
+            <a:endParaRPr lang="en-US" altLang="zh-CN" dirty="0"/>
+          </a:p>
+          <a:p>
+            <a:endParaRPr lang="en-US" altLang="zh-CN" dirty="0"/>
+          </a:p>
+          <a:p>
+            <a:endParaRPr lang="en-US" altLang="zh-CN" dirty="0"/>
+          </a:p>
+          <a:p>
+            <a:endParaRPr lang="en-US" altLang="zh-CN" dirty="0"/>
+          </a:p>
+          <a:p>
+            <a:endParaRPr lang="en-US" altLang="zh-CN" dirty="0"/>
+          </a:p>
+          <a:p>
+            <a:endParaRPr lang="en-US" altLang="zh-CN" dirty="0"/>
+          </a:p>
+          <a:p>
             <a:r>
               <a:rPr lang="en-US" altLang="zh-CN" dirty="0"/>
-              <a:t>Model #3: Local model w/ basic features – each store one model </a:t>
-            </a:r>
-          </a:p>
-          <a:p>
-            <a:endParaRPr lang="en-US" altLang="zh-CN" dirty="0"/>
-          </a:p>
-          <a:p>
-            <a:endParaRPr lang="en-US" altLang="zh-CN" dirty="0"/>
-          </a:p>
-          <a:p>
-            <a:endParaRPr lang="en-US" altLang="zh-CN" dirty="0"/>
-          </a:p>
-          <a:p>
-            <a:endParaRPr lang="en-US" altLang="zh-CN" dirty="0"/>
-          </a:p>
-          <a:p>
-            <a:endParaRPr lang="en-US" altLang="zh-CN" dirty="0"/>
-          </a:p>
-          <a:p>
-            <a:endParaRPr lang="en-US" altLang="zh-CN" dirty="0"/>
-          </a:p>
-          <a:p>
-            <a:r>
-              <a:rPr lang="en-US" altLang="zh-CN" dirty="0"/>
-              <a:t>3</a:t>
-            </a:r>
-            <a:r>
-              <a:rPr lang="en-US" altLang="zh-CN" dirty="0" smtClean="0"/>
-              <a:t>. </a:t>
-            </a:r>
-            <a:r>
-              <a:rPr lang="en-US" altLang="zh-CN" dirty="0"/>
-              <a:t>Model #4: Non-linear model – Random Forest</a:t>
+              <a:t>3. Model #4: Non-linear model – Random Forest</a:t>
             </a:r>
           </a:p>
           <a:p>
@@ -7439,21 +7405,21 @@
                 <a:gridCol w="2709333">
                   <a:extLst>
                     <a:ext uri="{9D8B030D-6E8A-4147-A177-3AD203B41FA5}">
-                      <a16:colId xmlns:a16="http://schemas.microsoft.com/office/drawing/2014/main" xmlns="" val="1641344726"/>
+                      <a16:colId xmlns:a16="http://schemas.microsoft.com/office/drawing/2014/main" val="1641344726"/>
                     </a:ext>
                   </a:extLst>
                 </a:gridCol>
                 <a:gridCol w="2709333">
                   <a:extLst>
                     <a:ext uri="{9D8B030D-6E8A-4147-A177-3AD203B41FA5}">
-                      <a16:colId xmlns:a16="http://schemas.microsoft.com/office/drawing/2014/main" xmlns="" val="4163426657"/>
+                      <a16:colId xmlns:a16="http://schemas.microsoft.com/office/drawing/2014/main" val="4163426657"/>
                     </a:ext>
                   </a:extLst>
                 </a:gridCol>
                 <a:gridCol w="2709333">
                   <a:extLst>
                     <a:ext uri="{9D8B030D-6E8A-4147-A177-3AD203B41FA5}">
-                      <a16:colId xmlns:a16="http://schemas.microsoft.com/office/drawing/2014/main" xmlns="" val="983818499"/>
+                      <a16:colId xmlns:a16="http://schemas.microsoft.com/office/drawing/2014/main" val="983818499"/>
                     </a:ext>
                   </a:extLst>
                 </a:gridCol>
@@ -7500,7 +7466,7 @@
                 </a:tc>
                 <a:extLst>
                   <a:ext uri="{0D108BD9-81ED-4DB2-BD59-A6C34878D82A}">
-                    <a16:rowId xmlns:a16="http://schemas.microsoft.com/office/drawing/2014/main" xmlns="" val="2695190203"/>
+                    <a16:rowId xmlns:a16="http://schemas.microsoft.com/office/drawing/2014/main" val="2695190203"/>
                   </a:ext>
                 </a:extLst>
               </a:tr>
@@ -7537,11 +7503,11 @@
                     <a:lstStyle/>
                     <a:p>
                       <a:r>
-                        <a:rPr lang="en-US" dirty="0" smtClean="0"/>
+                        <a:rPr lang="en-US" dirty="0"/>
                         <a:t>0.</a:t>
                       </a:r>
                       <a:r>
-                        <a:rPr lang="en-US" baseline="0" dirty="0" smtClean="0"/>
+                        <a:rPr lang="en-US" baseline="0" dirty="0"/>
                         <a:t>15894</a:t>
                       </a:r>
                       <a:endParaRPr lang="en-US" dirty="0"/>
@@ -7551,7 +7517,7 @@
                 </a:tc>
                 <a:extLst>
                   <a:ext uri="{0D108BD9-81ED-4DB2-BD59-A6C34878D82A}">
-                    <a16:rowId xmlns:a16="http://schemas.microsoft.com/office/drawing/2014/main" xmlns="" val="1155082855"/>
+                    <a16:rowId xmlns:a16="http://schemas.microsoft.com/office/drawing/2014/main" val="1155082855"/>
                   </a:ext>
                 </a:extLst>
               </a:tr>
@@ -7587,21 +7553,21 @@
                 <a:gridCol w="2709333">
                   <a:extLst>
                     <a:ext uri="{9D8B030D-6E8A-4147-A177-3AD203B41FA5}">
-                      <a16:colId xmlns:a16="http://schemas.microsoft.com/office/drawing/2014/main" xmlns="" val="1641344726"/>
+                      <a16:colId xmlns:a16="http://schemas.microsoft.com/office/drawing/2014/main" val="1641344726"/>
                     </a:ext>
                   </a:extLst>
                 </a:gridCol>
                 <a:gridCol w="2709333">
                   <a:extLst>
                     <a:ext uri="{9D8B030D-6E8A-4147-A177-3AD203B41FA5}">
-                      <a16:colId xmlns:a16="http://schemas.microsoft.com/office/drawing/2014/main" xmlns="" val="4163426657"/>
+                      <a16:colId xmlns:a16="http://schemas.microsoft.com/office/drawing/2014/main" val="4163426657"/>
                     </a:ext>
                   </a:extLst>
                 </a:gridCol>
                 <a:gridCol w="2709333">
                   <a:extLst>
                     <a:ext uri="{9D8B030D-6E8A-4147-A177-3AD203B41FA5}">
-                      <a16:colId xmlns:a16="http://schemas.microsoft.com/office/drawing/2014/main" xmlns="" val="983818499"/>
+                      <a16:colId xmlns:a16="http://schemas.microsoft.com/office/drawing/2014/main" val="983818499"/>
                     </a:ext>
                   </a:extLst>
                 </a:gridCol>
@@ -7648,7 +7614,7 @@
                 </a:tc>
                 <a:extLst>
                   <a:ext uri="{0D108BD9-81ED-4DB2-BD59-A6C34878D82A}">
-                    <a16:rowId xmlns:a16="http://schemas.microsoft.com/office/drawing/2014/main" xmlns="" val="2695190203"/>
+                    <a16:rowId xmlns:a16="http://schemas.microsoft.com/office/drawing/2014/main" val="2695190203"/>
                   </a:ext>
                 </a:extLst>
               </a:tr>
@@ -7700,7 +7666,7 @@
                 </a:tc>
                 <a:extLst>
                   <a:ext uri="{0D108BD9-81ED-4DB2-BD59-A6C34878D82A}">
-                    <a16:rowId xmlns:a16="http://schemas.microsoft.com/office/drawing/2014/main" xmlns="" val="1155082855"/>
+                    <a16:rowId xmlns:a16="http://schemas.microsoft.com/office/drawing/2014/main" val="1155082855"/>
                   </a:ext>
                 </a:extLst>
               </a:tr>
@@ -7718,13 +7684,6 @@
   <p:clrMapOvr>
     <a:masterClrMapping/>
   </p:clrMapOvr>
-  <p:timing>
-    <p:tnLst>
-      <p:par>
-        <p:cTn id="1" dur="indefinite" restart="never" nodeType="tmRoot"/>
-      </p:par>
-    </p:tnLst>
-  </p:timing>
 </p:sld>
 </file>
 

--- a/Predicting Rossmann Store Sales.pptx
+++ b/Predicting Rossmann Store Sales.pptx
@@ -6127,7 +6127,7 @@
         <p:spPr>
           <a:xfrm>
             <a:off x="646111" y="2116347"/>
-            <a:ext cx="2957861" cy="1754326"/>
+            <a:ext cx="3690434" cy="2308324"/>
           </a:xfrm>
           <a:prstGeom prst="rect">
             <a:avLst/>
@@ -6144,13 +6144,29 @@
               <a:buAutoNum type="arabicPeriod"/>
             </a:pPr>
             <a:r>
-              <a:rPr lang="en-US" altLang="zh-CN" dirty="0" err="1"/>
-              <a:t>Regularizer</a:t>
-            </a:r>
-            <a:r>
-              <a:rPr lang="en-US" altLang="zh-CN" dirty="0"/>
-              <a:t>?</a:t>
-            </a:r>
+              <a:rPr lang="en-US" altLang="zh-CN" dirty="0" err="1" smtClean="0"/>
+              <a:t>Regularizers</a:t>
+            </a:r>
+            <a:r>
+              <a:rPr lang="en-US" altLang="zh-CN" dirty="0" smtClean="0"/>
+              <a:t> on local models</a:t>
+            </a:r>
+          </a:p>
+          <a:p>
+            <a:pPr marL="342900" indent="-342900">
+              <a:buAutoNum type="arabicPeriod"/>
+            </a:pPr>
+            <a:endParaRPr lang="en-US" altLang="zh-CN" dirty="0"/>
+          </a:p>
+          <a:p>
+            <a:pPr marL="342900" indent="-342900">
+              <a:buAutoNum type="arabicPeriod"/>
+            </a:pPr>
+            <a:r>
+              <a:rPr lang="en-US" altLang="zh-CN" dirty="0" smtClean="0"/>
+              <a:t>Time Series</a:t>
+            </a:r>
+            <a:endParaRPr lang="en-US" altLang="zh-CN" dirty="0"/>
           </a:p>
           <a:p>
             <a:pPr marL="342900" indent="-342900">
@@ -7379,154 +7395,6 @@
       </p:sp>
       <p:graphicFrame>
         <p:nvGraphicFramePr>
-          <p:cNvPr id="3" name="Table 2"/>
-          <p:cNvGraphicFramePr>
-            <a:graphicFrameLocks noGrp="1"/>
-          </p:cNvGraphicFramePr>
-          <p:nvPr>
-            <p:extLst>
-              <p:ext uri="{D42A27DB-BD31-4B8C-83A1-F6EECF244321}">
-                <p14:modId xmlns:p14="http://schemas.microsoft.com/office/powerpoint/2010/main" val="983473735"/>
-              </p:ext>
-            </p:extLst>
-          </p:nvPr>
-        </p:nvGraphicFramePr>
-        <p:xfrm>
-          <a:off x="1215367" y="2600226"/>
-          <a:ext cx="8127999" cy="741680"/>
-        </p:xfrm>
-        <a:graphic>
-          <a:graphicData uri="http://schemas.openxmlformats.org/drawingml/2006/table">
-            <a:tbl>
-              <a:tblPr firstRow="1" bandRow="1">
-                <a:tableStyleId>{5C22544A-7EE6-4342-B048-85BDC9FD1C3A}</a:tableStyleId>
-              </a:tblPr>
-              <a:tblGrid>
-                <a:gridCol w="2709333">
-                  <a:extLst>
-                    <a:ext uri="{9D8B030D-6E8A-4147-A177-3AD203B41FA5}">
-                      <a16:colId xmlns:a16="http://schemas.microsoft.com/office/drawing/2014/main" val="1641344726"/>
-                    </a:ext>
-                  </a:extLst>
-                </a:gridCol>
-                <a:gridCol w="2709333">
-                  <a:extLst>
-                    <a:ext uri="{9D8B030D-6E8A-4147-A177-3AD203B41FA5}">
-                      <a16:colId xmlns:a16="http://schemas.microsoft.com/office/drawing/2014/main" val="4163426657"/>
-                    </a:ext>
-                  </a:extLst>
-                </a:gridCol>
-                <a:gridCol w="2709333">
-                  <a:extLst>
-                    <a:ext uri="{9D8B030D-6E8A-4147-A177-3AD203B41FA5}">
-                      <a16:colId xmlns:a16="http://schemas.microsoft.com/office/drawing/2014/main" val="983818499"/>
-                    </a:ext>
-                  </a:extLst>
-                </a:gridCol>
-              </a:tblGrid>
-              <a:tr h="370840">
-                <a:tc>
-                  <a:txBody>
-                    <a:bodyPr/>
-                    <a:lstStyle/>
-                    <a:p>
-                      <a:r>
-                        <a:rPr lang="en-US" dirty="0"/>
-                        <a:t>Model</a:t>
-                      </a:r>
-                    </a:p>
-                  </a:txBody>
-                  <a:tcPr/>
-                </a:tc>
-                <a:tc>
-                  <a:txBody>
-                    <a:bodyPr/>
-                    <a:lstStyle/>
-                    <a:p>
-                      <a:r>
-                        <a:rPr lang="en-US" dirty="0"/>
-                        <a:t>Train Error</a:t>
-                      </a:r>
-                    </a:p>
-                  </a:txBody>
-                  <a:tcPr/>
-                </a:tc>
-                <a:tc>
-                  <a:txBody>
-                    <a:bodyPr/>
-                    <a:lstStyle/>
-                    <a:p>
-                      <a:r>
-                        <a:rPr lang="en-US" dirty="0"/>
-                        <a:t>Test Error</a:t>
-                      </a:r>
-                    </a:p>
-                  </a:txBody>
-                  <a:tcPr/>
-                </a:tc>
-                <a:extLst>
-                  <a:ext uri="{0D108BD9-81ED-4DB2-BD59-A6C34878D82A}">
-                    <a16:rowId xmlns:a16="http://schemas.microsoft.com/office/drawing/2014/main" val="2695190203"/>
-                  </a:ext>
-                </a:extLst>
-              </a:tr>
-              <a:tr h="370840">
-                <a:tc>
-                  <a:txBody>
-                    <a:bodyPr/>
-                    <a:lstStyle/>
-                    <a:p>
-                      <a:r>
-                        <a:rPr lang="en-US" dirty="0"/>
-                        <a:t>Linear Regression</a:t>
-                      </a:r>
-                    </a:p>
-                  </a:txBody>
-                  <a:tcPr/>
-                </a:tc>
-                <a:tc>
-                  <a:txBody>
-                    <a:bodyPr/>
-                    <a:lstStyle/>
-                    <a:p>
-                      <a:r>
-                        <a:rPr lang="en-US" dirty="0"/>
-                        <a:t>0.05496</a:t>
-                      </a:r>
-                    </a:p>
-                  </a:txBody>
-                  <a:tcPr/>
-                </a:tc>
-                <a:tc>
-                  <a:txBody>
-                    <a:bodyPr/>
-                    <a:lstStyle/>
-                    <a:p>
-                      <a:r>
-                        <a:rPr lang="en-US" dirty="0"/>
-                        <a:t>0.</a:t>
-                      </a:r>
-                      <a:r>
-                        <a:rPr lang="en-US" baseline="0" dirty="0"/>
-                        <a:t>15894</a:t>
-                      </a:r>
-                      <a:endParaRPr lang="en-US" dirty="0"/>
-                    </a:p>
-                  </a:txBody>
-                  <a:tcPr/>
-                </a:tc>
-                <a:extLst>
-                  <a:ext uri="{0D108BD9-81ED-4DB2-BD59-A6C34878D82A}">
-                    <a16:rowId xmlns:a16="http://schemas.microsoft.com/office/drawing/2014/main" val="1155082855"/>
-                  </a:ext>
-                </a:extLst>
-              </a:tr>
-            </a:tbl>
-          </a:graphicData>
-        </a:graphic>
-      </p:graphicFrame>
-      <p:graphicFrame>
-        <p:nvGraphicFramePr>
           <p:cNvPr id="5" name="Table 4"/>
           <p:cNvGraphicFramePr>
             <a:graphicFrameLocks noGrp="1"/>
@@ -7667,6 +7535,227 @@
                 <a:extLst>
                   <a:ext uri="{0D108BD9-81ED-4DB2-BD59-A6C34878D82A}">
                     <a16:rowId xmlns:a16="http://schemas.microsoft.com/office/drawing/2014/main" val="1155082855"/>
+                  </a:ext>
+                </a:extLst>
+              </a:tr>
+            </a:tbl>
+          </a:graphicData>
+        </a:graphic>
+      </p:graphicFrame>
+      <p:graphicFrame>
+        <p:nvGraphicFramePr>
+          <p:cNvPr id="7" name="Table 6"/>
+          <p:cNvGraphicFramePr>
+            <a:graphicFrameLocks noGrp="1"/>
+          </p:cNvGraphicFramePr>
+          <p:nvPr>
+            <p:extLst>
+              <p:ext uri="{D42A27DB-BD31-4B8C-83A1-F6EECF244321}">
+                <p14:modId xmlns:p14="http://schemas.microsoft.com/office/powerpoint/2010/main" val="3003201576"/>
+              </p:ext>
+            </p:extLst>
+          </p:nvPr>
+        </p:nvGraphicFramePr>
+        <p:xfrm>
+          <a:off x="1215366" y="2573487"/>
+          <a:ext cx="8127999" cy="1112520"/>
+        </p:xfrm>
+        <a:graphic>
+          <a:graphicData uri="http://schemas.openxmlformats.org/drawingml/2006/table">
+            <a:tbl>
+              <a:tblPr firstRow="1" bandRow="1">
+                <a:tableStyleId>{5C22544A-7EE6-4342-B048-85BDC9FD1C3A}</a:tableStyleId>
+              </a:tblPr>
+              <a:tblGrid>
+                <a:gridCol w="2709333">
+                  <a:extLst>
+                    <a:ext uri="{9D8B030D-6E8A-4147-A177-3AD203B41FA5}">
+                      <a16:colId xmlns:a16="http://schemas.microsoft.com/office/drawing/2014/main" val="1641344726"/>
+                    </a:ext>
+                  </a:extLst>
+                </a:gridCol>
+                <a:gridCol w="2709333">
+                  <a:extLst>
+                    <a:ext uri="{9D8B030D-6E8A-4147-A177-3AD203B41FA5}">
+                      <a16:colId xmlns:a16="http://schemas.microsoft.com/office/drawing/2014/main" val="4163426657"/>
+                    </a:ext>
+                  </a:extLst>
+                </a:gridCol>
+                <a:gridCol w="2709333">
+                  <a:extLst>
+                    <a:ext uri="{9D8B030D-6E8A-4147-A177-3AD203B41FA5}">
+                      <a16:colId xmlns:a16="http://schemas.microsoft.com/office/drawing/2014/main" val="983818499"/>
+                    </a:ext>
+                  </a:extLst>
+                </a:gridCol>
+              </a:tblGrid>
+              <a:tr h="370840">
+                <a:tc>
+                  <a:txBody>
+                    <a:bodyPr/>
+                    <a:lstStyle/>
+                    <a:p>
+                      <a:r>
+                        <a:rPr lang="en-US" dirty="0"/>
+                        <a:t>Model</a:t>
+                      </a:r>
+                    </a:p>
+                  </a:txBody>
+                  <a:tcPr/>
+                </a:tc>
+                <a:tc>
+                  <a:txBody>
+                    <a:bodyPr/>
+                    <a:lstStyle/>
+                    <a:p>
+                      <a:r>
+                        <a:rPr lang="en-US" dirty="0"/>
+                        <a:t>Train Error</a:t>
+                      </a:r>
+                    </a:p>
+                  </a:txBody>
+                  <a:tcPr/>
+                </a:tc>
+                <a:tc>
+                  <a:txBody>
+                    <a:bodyPr/>
+                    <a:lstStyle/>
+                    <a:p>
+                      <a:r>
+                        <a:rPr lang="en-US" dirty="0"/>
+                        <a:t>Test Error</a:t>
+                      </a:r>
+                    </a:p>
+                  </a:txBody>
+                  <a:tcPr/>
+                </a:tc>
+                <a:extLst>
+                  <a:ext uri="{0D108BD9-81ED-4DB2-BD59-A6C34878D82A}">
+                    <a16:rowId xmlns:a16="http://schemas.microsoft.com/office/drawing/2014/main" val="2695190203"/>
+                  </a:ext>
+                </a:extLst>
+              </a:tr>
+              <a:tr h="370840">
+                <a:tc>
+                  <a:txBody>
+                    <a:bodyPr/>
+                    <a:lstStyle/>
+                    <a:p>
+                      <a:r>
+                        <a:rPr lang="en-US" dirty="0"/>
+                        <a:t>Linear Regression</a:t>
+                      </a:r>
+                    </a:p>
+                  </a:txBody>
+                  <a:tcPr/>
+                </a:tc>
+                <a:tc>
+                  <a:txBody>
+                    <a:bodyPr/>
+                    <a:lstStyle/>
+                    <a:p>
+                      <a:pPr marL="0" marR="0" lvl="0" indent="0" algn="l" defTabSz="457200" rtl="0" eaLnBrk="1" fontAlgn="auto" latinLnBrk="0" hangingPunct="1">
+                        <a:lnSpc>
+                          <a:spcPct val="100000"/>
+                        </a:lnSpc>
+                        <a:spcBef>
+                          <a:spcPts val="0"/>
+                        </a:spcBef>
+                        <a:spcAft>
+                          <a:spcPts val="0"/>
+                        </a:spcAft>
+                        <a:buClrTx/>
+                        <a:buSzTx/>
+                        <a:buFontTx/>
+                        <a:buNone/>
+                        <a:tabLst/>
+                        <a:defRPr/>
+                      </a:pPr>
+                      <a:r>
+                        <a:rPr lang="en-US" dirty="0" smtClean="0"/>
+                        <a:t>0.05496</a:t>
+                      </a:r>
+                    </a:p>
+                  </a:txBody>
+                  <a:tcPr/>
+                </a:tc>
+                <a:tc>
+                  <a:txBody>
+                    <a:bodyPr/>
+                    <a:lstStyle/>
+                    <a:p>
+                      <a:r>
+                        <a:rPr lang="en-US" dirty="0" smtClean="0"/>
+                        <a:t>0.</a:t>
+                      </a:r>
+                      <a:r>
+                        <a:rPr lang="en-US" baseline="0" dirty="0" smtClean="0"/>
+                        <a:t>15894</a:t>
+                      </a:r>
+                      <a:endParaRPr lang="en-US" dirty="0"/>
+                    </a:p>
+                  </a:txBody>
+                  <a:tcPr/>
+                </a:tc>
+                <a:extLst>
+                  <a:ext uri="{0D108BD9-81ED-4DB2-BD59-A6C34878D82A}">
+                    <a16:rowId xmlns:a16="http://schemas.microsoft.com/office/drawing/2014/main" val="1155082855"/>
+                  </a:ext>
+                </a:extLst>
+              </a:tr>
+              <a:tr h="370840">
+                <a:tc>
+                  <a:txBody>
+                    <a:bodyPr/>
+                    <a:lstStyle/>
+                    <a:p>
+                      <a:r>
+                        <a:rPr lang="en-US" dirty="0"/>
+                        <a:t>Huber Regression</a:t>
+                      </a:r>
+                    </a:p>
+                  </a:txBody>
+                  <a:tcPr/>
+                </a:tc>
+                <a:tc>
+                  <a:txBody>
+                    <a:bodyPr/>
+                    <a:lstStyle/>
+                    <a:p>
+                      <a:r>
+                        <a:rPr lang="en-US" sz="1800" b="0" i="0" kern="1200" dirty="0" smtClean="0">
+                          <a:solidFill>
+                            <a:schemeClr val="dk1"/>
+                          </a:solidFill>
+                          <a:effectLst/>
+                          <a:latin typeface="+mn-lt"/>
+                          <a:ea typeface="+mn-ea"/>
+                          <a:cs typeface="+mn-cs"/>
+                        </a:rPr>
+                        <a:t>0.05216</a:t>
+                      </a:r>
+                      <a:endParaRPr lang="en-US" dirty="0"/>
+                    </a:p>
+                  </a:txBody>
+                  <a:tcPr/>
+                </a:tc>
+                <a:tc>
+                  <a:txBody>
+                    <a:bodyPr/>
+                    <a:lstStyle/>
+                    <a:p>
+                      <a:r>
+                        <a:rPr lang="en-US" dirty="0" smtClean="0"/>
+                        <a:t>0.15085</a:t>
+                      </a:r>
+                      <a:endParaRPr lang="en-US" dirty="0"/>
+                    </a:p>
+                  </a:txBody>
+                  <a:tcPr/>
+                </a:tc>
+                <a:extLst>
+                  <a:ext uri="{0D108BD9-81ED-4DB2-BD59-A6C34878D82A}">
+                    <a16:rowId xmlns:a16="http://schemas.microsoft.com/office/drawing/2014/main" val="1459125803"/>
                   </a:ext>
                 </a:extLst>
               </a:tr>
